--- a/Final Project Poster v2.pptx
+++ b/Final Project Poster v2.pptx
@@ -283,7 +283,7 @@
               <a:pPr>
                 <a:defRPr/>
               </a:pPr>
-              <a:t>11/30/2021</a:t>
+              <a:t>12/1/2021</a:t>
             </a:fld>
             <a:endParaRPr lang="en-US"/>
           </a:p>
@@ -508,7 +508,7 @@
               <a:pPr>
                 <a:defRPr/>
               </a:pPr>
-              <a:t>11/30/2021</a:t>
+              <a:t>12/1/2021</a:t>
             </a:fld>
             <a:endParaRPr lang="en-US"/>
           </a:p>
@@ -1128,7 +1128,7 @@
               <a:pPr>
                 <a:defRPr/>
               </a:pPr>
-              <a:t>11/30/2021</a:t>
+              <a:t>12/1/2021</a:t>
             </a:fld>
             <a:endParaRPr lang="en-US" altLang="x-none"/>
           </a:p>
@@ -1341,7 +1341,7 @@
               <a:pPr>
                 <a:defRPr/>
               </a:pPr>
-              <a:t>11/30/2021</a:t>
+              <a:t>12/1/2021</a:t>
             </a:fld>
             <a:endParaRPr lang="en-US" altLang="x-none"/>
           </a:p>
@@ -1564,7 +1564,7 @@
               <a:pPr>
                 <a:defRPr/>
               </a:pPr>
-              <a:t>11/30/2021</a:t>
+              <a:t>12/1/2021</a:t>
             </a:fld>
             <a:endParaRPr lang="en-US" altLang="x-none"/>
           </a:p>
@@ -1777,7 +1777,7 @@
               <a:pPr>
                 <a:defRPr/>
               </a:pPr>
-              <a:t>11/30/2021</a:t>
+              <a:t>12/1/2021</a:t>
             </a:fld>
             <a:endParaRPr lang="en-US" altLang="x-none"/>
           </a:p>
@@ -2067,7 +2067,7 @@
               <a:pPr>
                 <a:defRPr/>
               </a:pPr>
-              <a:t>11/30/2021</a:t>
+              <a:t>12/1/2021</a:t>
             </a:fld>
             <a:endParaRPr lang="en-US" altLang="x-none"/>
           </a:p>
@@ -2397,7 +2397,7 @@
               <a:pPr>
                 <a:defRPr/>
               </a:pPr>
-              <a:t>11/30/2021</a:t>
+              <a:t>12/1/2021</a:t>
             </a:fld>
             <a:endParaRPr lang="en-US" altLang="x-none"/>
           </a:p>
@@ -2866,7 +2866,7 @@
               <a:pPr>
                 <a:defRPr/>
               </a:pPr>
-              <a:t>11/30/2021</a:t>
+              <a:t>12/1/2021</a:t>
             </a:fld>
             <a:endParaRPr lang="en-US" altLang="x-none"/>
           </a:p>
@@ -3028,7 +3028,7 @@
               <a:pPr>
                 <a:defRPr/>
               </a:pPr>
-              <a:t>11/30/2021</a:t>
+              <a:t>12/1/2021</a:t>
             </a:fld>
             <a:endParaRPr lang="en-US" altLang="x-none"/>
           </a:p>
@@ -3168,7 +3168,7 @@
               <a:pPr>
                 <a:defRPr/>
               </a:pPr>
-              <a:t>11/30/2021</a:t>
+              <a:t>12/1/2021</a:t>
             </a:fld>
             <a:endParaRPr lang="en-US" altLang="x-none"/>
           </a:p>
@@ -3488,7 +3488,7 @@
               <a:pPr>
                 <a:defRPr/>
               </a:pPr>
-              <a:t>11/30/2021</a:t>
+              <a:t>12/1/2021</a:t>
             </a:fld>
             <a:endParaRPr lang="en-US" altLang="x-none"/>
           </a:p>
@@ -3788,7 +3788,7 @@
               <a:pPr>
                 <a:defRPr/>
               </a:pPr>
-              <a:t>11/30/2021</a:t>
+              <a:t>12/1/2021</a:t>
             </a:fld>
             <a:endParaRPr lang="en-US" altLang="x-none"/>
           </a:p>
@@ -4110,7 +4110,7 @@
               <a:pPr>
                 <a:defRPr/>
               </a:pPr>
-              <a:t>11/30/2021</a:t>
+              <a:t>12/1/2021</a:t>
             </a:fld>
             <a:endParaRPr lang="en-US" altLang="x-none"/>
           </a:p>
@@ -4669,7 +4669,7 @@
         <p:spPr>
           <a:xfrm>
             <a:off x="685800" y="6812282"/>
-            <a:ext cx="11887200" cy="15481161"/>
+            <a:ext cx="11887200" cy="14865608"/>
           </a:xfrm>
           <a:prstGeom prst="rect">
             <a:avLst/>
@@ -4685,7 +4685,7 @@
             <a:pPr algn="just"/>
             <a:r>
               <a:rPr lang="en-US" sz="4000" dirty="0"/>
-              <a:t>Medical training involves performing procedures on inanimate proxies or human patients. However, these proxies are expensive and often “single-use” learning tools with limited applicability to human anatomy, and performing a procedure on a human patient while inexperienced can result in patient discomfort and complications. Additionally, there are procedures for which such proxies are not available for medical trainees. This project focuses on developing a proxy for a lumbar puncture procedure via a mixed reality environment with haptic feedback. Medical simulations that provide haptic feedback can add value as a training alternative [1]. Here we present the design of a virtual environment and wearable device to provide haptic feedback relocated from the fingertips to the wrist. Previous tactile feedback devices used to interact with virtual objects provide forces directly to the fingertips to take advantage of their high mechanoreceptor density. However, these interactions limit the use of the hands in augmented reality scenarios [2]. When haptic feedback is relocated to the wrist, we propose that users will be able to manipulate physical tools while also receiving realistic programmable haptic feedback that displays interactions between the hand and a virtual or mixed reality environment [3] [4]. </a:t>
+              <a:t>Medical training involves performing procedures on inanimate proxies or human patients. However, these proxies are expensive and often “single-use” learning tools with limited applicability to human anatomy, and performing a procedure on a human patient while inexperienced can result in patient discomfort and complications. Additionally, there are procedures for which such proxies are not available for trainees. We developed a proxy for a lumbar puncture procedure via a mixed reality environment with haptic feedback. Medical simulations that provide haptic feedback can add value as a training alternative [1]. Here we present the design of a virtual environment and wearable device to provide haptic feedback relocated from the fingertips to the wrist. Previous tactile feedback devices used to interact with virtual objects provide forces directly to the fingertips to take advantage of their high mechanoreceptor density. However, these interactions limit the use of the hands in augmented reality scenarios [2]. When haptic feedback is relocated to the wrist, we propose that users will be able to manipulate physical tools while also receiving realistic programmable haptic feedback that displays interactions between the hand and a virtual or mixed reality environment [3] [4]. </a:t>
             </a:r>
           </a:p>
         </p:txBody>
@@ -5230,7 +5230,7 @@
                   <a:schemeClr val="tx1"/>
                 </a:solidFill>
               </a:rPr>
-              <a:t>a model of human anatomy and a needle similar to those used by medical professionals. </a:t>
+              <a:t>a model of human anatomy and a needle like those used by medical professionals. </a:t>
             </a:r>
           </a:p>
         </p:txBody>
@@ -5436,41 +5436,6 @@
           </a:p>
         </p:txBody>
       </p:sp>
-      <p:pic>
-        <p:nvPicPr>
-          <p:cNvPr id="61" name="Picture 60">
-            <a:extLst>
-              <a:ext uri="{FF2B5EF4-FFF2-40B4-BE49-F238E27FC236}">
-                <a16:creationId xmlns:a16="http://schemas.microsoft.com/office/drawing/2014/main" id="{7DE02835-C5EC-46CC-96E0-E8FA1A5DF9E6}"/>
-              </a:ext>
-            </a:extLst>
-          </p:cNvPr>
-          <p:cNvPicPr>
-            <a:picLocks noChangeAspect="1"/>
-          </p:cNvPicPr>
-          <p:nvPr/>
-        </p:nvPicPr>
-        <p:blipFill>
-          <a:blip r:embed="rId4">
-            <a:extLst>
-              <a:ext uri="{28A0092B-C50C-407E-A947-70E740481C1C}">
-                <a14:useLocalDpi xmlns:a14="http://schemas.microsoft.com/office/drawing/2010/main" val="0"/>
-              </a:ext>
-            </a:extLst>
-          </a:blip>
-          <a:srcRect/>
-          <a:stretch/>
-        </p:blipFill>
-        <p:spPr>
-          <a:xfrm>
-            <a:off x="14451984" y="8853285"/>
-            <a:ext cx="9500832" cy="6310515"/>
-          </a:xfrm>
-          <a:prstGeom prst="rect">
-            <a:avLst/>
-          </a:prstGeom>
-        </p:spPr>
-      </p:pic>
       <p:sp>
         <p:nvSpPr>
           <p:cNvPr id="16" name="TextBox 15">
@@ -5745,7 +5710,7 @@
           <p:nvPr/>
         </p:nvPicPr>
         <p:blipFill>
-          <a:blip r:embed="rId5">
+          <a:blip r:embed="rId4">
             <a:extLst>
               <a:ext uri="{28A0092B-C50C-407E-A947-70E740481C1C}">
                 <a14:useLocalDpi xmlns:a14="http://schemas.microsoft.com/office/drawing/2010/main" val="0"/>
@@ -5805,7 +5770,7 @@
           <p:nvPr/>
         </p:nvPicPr>
         <p:blipFill>
-          <a:blip r:embed="rId6">
+          <a:blip r:embed="rId5">
             <a:extLst>
               <a:ext uri="{28A0092B-C50C-407E-A947-70E740481C1C}">
                 <a14:useLocalDpi xmlns:a14="http://schemas.microsoft.com/office/drawing/2010/main" val="0"/>
@@ -5841,7 +5806,7 @@
           <p:nvPr/>
         </p:nvPicPr>
         <p:blipFill>
-          <a:blip r:embed="rId7">
+          <a:blip r:embed="rId6">
             <a:extLst>
               <a:ext uri="{28A0092B-C50C-407E-A947-70E740481C1C}">
                 <a14:useLocalDpi xmlns:a14="http://schemas.microsoft.com/office/drawing/2010/main" val="0"/>
@@ -5887,8 +5852,8 @@
         </p:nvSpPr>
         <p:spPr>
           <a:xfrm>
-            <a:off x="25914631" y="6906163"/>
-            <a:ext cx="11721537" cy="6863417"/>
+            <a:off x="25914631" y="10147759"/>
+            <a:ext cx="11721537" cy="8710077"/>
           </a:xfrm>
           <a:prstGeom prst="rect">
             <a:avLst/>
@@ -5917,7 +5882,7 @@
             </a:pPr>
             <a:r>
               <a:rPr lang="en-US" sz="4000" dirty="0"/>
-              <a:t>Unity no longer supports concave mesh collision</a:t>
+              <a:t>Unity no longer supports concave mesh collision which causes some inaccuracy for the measurement from the god-objects</a:t>
             </a:r>
           </a:p>
           <a:p>
@@ -5947,7 +5912,7 @@
             </a:pPr>
             <a:r>
               <a:rPr lang="en-US" sz="4000" dirty="0"/>
-              <a:t>Assumed piercing force is along the axis of the needle</a:t>
+              <a:t>Assumed piercing force is only along the axis of the needle</a:t>
             </a:r>
           </a:p>
           <a:p>
@@ -5957,7 +5922,7 @@
             </a:pPr>
             <a:r>
               <a:rPr lang="en-US" sz="4000" dirty="0"/>
-              <a:t>The graphics quality of the required upscaling the needle so it is not representative of any gauge that a professional would use for this procedure </a:t>
+              <a:t>The graphics quality of the required upscaling the needle so it is not representative of any needle gauge that a professional would use for this procedure </a:t>
             </a:r>
           </a:p>
         </p:txBody>
@@ -5976,7 +5941,7 @@
         </p:nvSpPr>
         <p:spPr>
           <a:xfrm>
-            <a:off x="25832455" y="5521404"/>
+            <a:off x="25832455" y="8763000"/>
             <a:ext cx="11887200" cy="1107996"/>
           </a:xfrm>
           <a:prstGeom prst="rect">
@@ -6018,8 +5983,8 @@
         </p:nvSpPr>
         <p:spPr>
           <a:xfrm>
-            <a:off x="13258800" y="16752630"/>
-            <a:ext cx="11887200" cy="8710077"/>
+            <a:off x="13258799" y="18440400"/>
+            <a:ext cx="11841329" cy="10556736"/>
           </a:xfrm>
           <a:prstGeom prst="rect">
             <a:avLst/>
@@ -6035,51 +6000,7 @@
             <a:pPr algn="just"/>
             <a:r>
               <a:rPr lang="en-US" sz="4000" dirty="0"/>
-              <a:t>The interactions we were most interested in occurred at the needle tip. To render  the haptic feedback, we used a modified version of the constraint-based god-object method developed by Zilles and Salisbury [5]. The anatomy was evaluated in 4 layers relating to the skin/muscle, bone, disc, and brain stem, each having their own respective god-objects. The needle’s haptic interaction point (HIP) was located at the needle tip. Each god-object-HIP pair is modeled as a linear massless spring. The interaction force is modeled as consisting of two main components: a piercing force at the needle tip and a component acting in the direction of the relative velocity between the needle and anatomy. The latter acts as the friction force along the surface of the needle. </a:t>
-            </a:r>
-          </a:p>
-        </p:txBody>
-      </p:sp>
-      <p:sp>
-        <p:nvSpPr>
-          <p:cNvPr id="81" name="TextBox 80">
-            <a:extLst>
-              <a:ext uri="{FF2B5EF4-FFF2-40B4-BE49-F238E27FC236}">
-                <a16:creationId xmlns:a16="http://schemas.microsoft.com/office/drawing/2014/main" id="{660B4D41-5E62-4002-89C7-6D3BAE2E49DC}"/>
-              </a:ext>
-            </a:extLst>
-          </p:cNvPr>
-          <p:cNvSpPr txBox="1"/>
-          <p:nvPr/>
-        </p:nvSpPr>
-        <p:spPr>
-          <a:xfrm>
-            <a:off x="13258800" y="29519701"/>
-            <a:ext cx="11887200" cy="3170099"/>
-          </a:xfrm>
-          <a:prstGeom prst="rect">
-            <a:avLst/>
-          </a:prstGeom>
-          <a:noFill/>
-        </p:spPr>
-        <p:txBody>
-          <a:bodyPr wrap="square" rtlCol="0">
-            <a:spAutoFit/>
-          </a:bodyPr>
-          <a:lstStyle/>
-          <a:p>
-            <a:pPr algn="just"/>
-            <a:r>
-              <a:rPr lang="en-US" sz="4000" dirty="0"/>
-              <a:t>where Hooke’s Law is used to calculate the normal component and p</a:t>
-            </a:r>
-            <a:r>
-              <a:rPr lang="en-US" sz="4000" baseline="-25000" dirty="0"/>
-              <a:t>i</a:t>
-            </a:r>
-            <a:r>
-              <a:rPr lang="en-US" sz="4000" dirty="0"/>
-              <a:t> represents the penetration of the HIP into the game object. For this project, the friction forces on the needle were assumed to be low enough that they would be negligible and therefore were not modeled.</a:t>
+              <a:t>The interactions we were most interested in occurred at the needle tip. To render  the haptic feedback, we used a modified version of the constraint-based god-object method developed by Zilles and Salisbury [5]. The anatomy was evaluated in 4 layers relating to the skin/muscle, bone, disc, and brain stem, each having their own respective god-objects. The needle’s haptic interaction point (HIP) was located at the needle tip. The interaction force is modeled as consisting of two main components: a piercing force at the needle tip and a component acting in the direction of the relative velocity between the needle and anatomy. The latter acts as the friction force along the surface of the needle. The piercing force for each god-object-HIP pair is modeled as a linear massless spring and is calculated by Hooke’s Law. The friction forces on the needle surface were assumed to be negligible. </a:t>
             </a:r>
           </a:p>
         </p:txBody>
@@ -6099,14 +6020,14 @@
           <p:nvPr/>
         </p:nvPicPr>
         <p:blipFill>
-          <a:blip r:embed="rId8"/>
+          <a:blip r:embed="rId7"/>
           <a:stretch>
             <a:fillRect/>
           </a:stretch>
         </p:blipFill>
         <p:spPr>
           <a:xfrm>
-            <a:off x="16687800" y="28604675"/>
+            <a:off x="-6072187" y="22707600"/>
             <a:ext cx="5029200" cy="1020685"/>
           </a:xfrm>
           <a:prstGeom prst="rect">
@@ -6114,42 +6035,6 @@
           </a:prstGeom>
         </p:spPr>
       </p:pic>
-      <p:sp>
-        <p:nvSpPr>
-          <p:cNvPr id="59" name="TextBox 58">
-            <a:extLst>
-              <a:ext uri="{FF2B5EF4-FFF2-40B4-BE49-F238E27FC236}">
-                <a16:creationId xmlns:a16="http://schemas.microsoft.com/office/drawing/2014/main" id="{8B021EF1-6C6E-45E0-8E1C-51CA94C74ABB}"/>
-              </a:ext>
-            </a:extLst>
-          </p:cNvPr>
-          <p:cNvSpPr txBox="1"/>
-          <p:nvPr/>
-        </p:nvSpPr>
-        <p:spPr>
-          <a:xfrm>
-            <a:off x="13258800" y="27403961"/>
-            <a:ext cx="11887200" cy="1323439"/>
-          </a:xfrm>
-          <a:prstGeom prst="rect">
-            <a:avLst/>
-          </a:prstGeom>
-          <a:noFill/>
-        </p:spPr>
-        <p:txBody>
-          <a:bodyPr wrap="square" rtlCol="0">
-            <a:spAutoFit/>
-          </a:bodyPr>
-          <a:lstStyle/>
-          <a:p>
-            <a:pPr algn="just"/>
-            <a:r>
-              <a:rPr lang="en-US" sz="4000" dirty="0"/>
-              <a:t>The interaction force for each god-object-HIP pair is calculated as</a:t>
-            </a:r>
-          </a:p>
-        </p:txBody>
-      </p:sp>
       <p:grpSp>
         <p:nvGrpSpPr>
           <p:cNvPr id="41" name="Group 40">
@@ -6187,7 +6072,7 @@
             <p:nvPr/>
           </p:nvPicPr>
           <p:blipFill rotWithShape="1">
-            <a:blip r:embed="rId9">
+            <a:blip r:embed="rId8">
               <a:extLst>
                 <a:ext uri="{28A0092B-C50C-407E-A947-70E740481C1C}">
                   <a14:useLocalDpi xmlns:a14="http://schemas.microsoft.com/office/drawing/2010/main" val="0"/>
@@ -6425,7 +6310,7 @@
           <p:nvPr/>
         </p:nvPicPr>
         <p:blipFill rotWithShape="1">
-          <a:blip r:embed="rId10">
+          <a:blip r:embed="rId9">
             <a:extLst>
               <a:ext uri="{28A0092B-C50C-407E-A947-70E740481C1C}">
                 <a14:useLocalDpi xmlns:a14="http://schemas.microsoft.com/office/drawing/2010/main" val="0"/>
@@ -6460,7 +6345,7 @@
           <p:nvPr/>
         </p:nvPicPr>
         <p:blipFill>
-          <a:blip r:embed="rId11"/>
+          <a:blip r:embed="rId10"/>
           <a:stretch>
             <a:fillRect/>
           </a:stretch>
@@ -6489,7 +6374,7 @@
         </p:nvSpPr>
         <p:spPr>
           <a:xfrm>
-            <a:off x="13258800" y="15427404"/>
+            <a:off x="13258800" y="17150238"/>
             <a:ext cx="11887200" cy="1107996"/>
           </a:xfrm>
           <a:prstGeom prst="rect">
@@ -6517,12 +6402,101 @@
           </a:p>
         </p:txBody>
       </p:sp>
-      <p:sp>
-        <p:nvSpPr>
-          <p:cNvPr id="7" name="TextBox 6">
-            <a:extLst>
-              <a:ext uri="{FF2B5EF4-FFF2-40B4-BE49-F238E27FC236}">
-                <a16:creationId xmlns:a16="http://schemas.microsoft.com/office/drawing/2014/main" id="{0662D3E3-4B17-4D1A-88B7-3B44B4F3D41C}"/>
+      <p:pic>
+        <p:nvPicPr>
+          <p:cNvPr id="8" name="Picture 7">
+            <a:extLst>
+              <a:ext uri="{FF2B5EF4-FFF2-40B4-BE49-F238E27FC236}">
+                <a16:creationId xmlns:a16="http://schemas.microsoft.com/office/drawing/2014/main" id="{59863858-B6B5-4EFA-886C-EF4BB927191F}"/>
+              </a:ext>
+            </a:extLst>
+          </p:cNvPr>
+          <p:cNvPicPr>
+            <a:picLocks noChangeAspect="1"/>
+          </p:cNvPicPr>
+          <p:nvPr/>
+        </p:nvPicPr>
+        <p:blipFill>
+          <a:blip r:embed="rId11"/>
+          <a:stretch>
+            <a:fillRect/>
+          </a:stretch>
+        </p:blipFill>
+        <p:spPr>
+          <a:xfrm>
+            <a:off x="-5577287" y="16429074"/>
+            <a:ext cx="3786746" cy="4495234"/>
+          </a:xfrm>
+          <a:prstGeom prst="rect">
+            <a:avLst/>
+          </a:prstGeom>
+        </p:spPr>
+      </p:pic>
+      <p:pic>
+        <p:nvPicPr>
+          <p:cNvPr id="12" name="Picture 11">
+            <a:extLst>
+              <a:ext uri="{FF2B5EF4-FFF2-40B4-BE49-F238E27FC236}">
+                <a16:creationId xmlns:a16="http://schemas.microsoft.com/office/drawing/2014/main" id="{A8DF452F-3B22-4892-9E4D-861EBD7698DB}"/>
+              </a:ext>
+            </a:extLst>
+          </p:cNvPr>
+          <p:cNvPicPr>
+            <a:picLocks noChangeAspect="1"/>
+          </p:cNvPicPr>
+          <p:nvPr/>
+        </p:nvPicPr>
+        <p:blipFill>
+          <a:blip r:embed="rId12"/>
+          <a:stretch>
+            <a:fillRect/>
+          </a:stretch>
+        </p:blipFill>
+        <p:spPr>
+          <a:xfrm>
+            <a:off x="14527568" y="8876529"/>
+            <a:ext cx="9349664" cy="8057180"/>
+          </a:xfrm>
+          <a:prstGeom prst="rect">
+            <a:avLst/>
+          </a:prstGeom>
+        </p:spPr>
+      </p:pic>
+      <p:pic>
+        <p:nvPicPr>
+          <p:cNvPr id="53" name="Picture 52">
+            <a:extLst>
+              <a:ext uri="{FF2B5EF4-FFF2-40B4-BE49-F238E27FC236}">
+                <a16:creationId xmlns:a16="http://schemas.microsoft.com/office/drawing/2014/main" id="{89146CDA-F9AF-49A4-8347-5F4E9457AF5E}"/>
+              </a:ext>
+            </a:extLst>
+          </p:cNvPr>
+          <p:cNvPicPr>
+            <a:picLocks noChangeAspect="1"/>
+          </p:cNvPicPr>
+          <p:nvPr/>
+        </p:nvPicPr>
+        <p:blipFill rotWithShape="1">
+          <a:blip r:embed="rId13"/>
+          <a:srcRect l="-51" t="52146" r="51" b="17679"/>
+          <a:stretch/>
+        </p:blipFill>
+        <p:spPr>
+          <a:xfrm>
+            <a:off x="14140542" y="28902596"/>
+            <a:ext cx="10123716" cy="3558604"/>
+          </a:xfrm>
+          <a:prstGeom prst="rect">
+            <a:avLst/>
+          </a:prstGeom>
+        </p:spPr>
+      </p:pic>
+      <p:sp>
+        <p:nvSpPr>
+          <p:cNvPr id="54" name="TextBox 53">
+            <a:extLst>
+              <a:ext uri="{FF2B5EF4-FFF2-40B4-BE49-F238E27FC236}">
+                <a16:creationId xmlns:a16="http://schemas.microsoft.com/office/drawing/2014/main" id="{74FA25B3-0948-45C3-B5CC-B123410E9C53}"/>
               </a:ext>
             </a:extLst>
           </p:cNvPr>
@@ -6531,8 +6505,50 @@
         </p:nvSpPr>
         <p:spPr>
           <a:xfrm>
-            <a:off x="13258800" y="25755600"/>
-            <a:ext cx="11841329" cy="1323439"/>
+            <a:off x="25831800" y="5521404"/>
+            <a:ext cx="11887200" cy="1107996"/>
+          </a:xfrm>
+          <a:prstGeom prst="rect">
+            <a:avLst/>
+          </a:prstGeom>
+          <a:solidFill>
+            <a:srgbClr val="8C1515"/>
+          </a:solidFill>
+        </p:spPr>
+        <p:txBody>
+          <a:bodyPr wrap="square" rtlCol="0">
+            <a:spAutoFit/>
+          </a:bodyPr>
+          <a:lstStyle/>
+          <a:p>
+            <a:pPr algn="ctr"/>
+            <a:r>
+              <a:rPr lang="en-US" sz="6600" dirty="0">
+                <a:solidFill>
+                  <a:schemeClr val="bg1"/>
+                </a:solidFill>
+              </a:rPr>
+              <a:t>User Interface</a:t>
+            </a:r>
+          </a:p>
+        </p:txBody>
+      </p:sp>
+      <p:sp>
+        <p:nvSpPr>
+          <p:cNvPr id="56" name="TextBox 55">
+            <a:extLst>
+              <a:ext uri="{FF2B5EF4-FFF2-40B4-BE49-F238E27FC236}">
+                <a16:creationId xmlns:a16="http://schemas.microsoft.com/office/drawing/2014/main" id="{02EA7E2C-5B84-4C58-A63E-2DED4DD9F3E6}"/>
+              </a:ext>
+            </a:extLst>
+          </p:cNvPr>
+          <p:cNvSpPr txBox="1"/>
+          <p:nvPr/>
+        </p:nvSpPr>
+        <p:spPr>
+          <a:xfrm>
+            <a:off x="25877671" y="6781800"/>
+            <a:ext cx="11795458" cy="1938992"/>
           </a:xfrm>
           <a:prstGeom prst="rect">
             <a:avLst/>
@@ -6545,11 +6561,24 @@
           </a:bodyPr>
           <a:lstStyle/>
           <a:p>
-            <a:pPr algn="ctr"/>
-            <a:r>
-              <a:rPr lang="en-US" b="1" dirty="0"/>
-              <a:t>PICTURE OF GOs &amp; Needle</a:t>
-            </a:r>
+            <a:pPr algn="just"/>
+            <a:r>
+              <a:rPr lang="en-US" sz="4000" dirty="0"/>
+              <a:t>The user can move the needle and pose sliders using the </a:t>
+            </a:r>
+            <a:r>
+              <a:rPr lang="en-US" sz="4000" dirty="0" err="1"/>
+              <a:t>Hololens</a:t>
+            </a:r>
+            <a:r>
+              <a:rPr lang="en-US" sz="4000" dirty="0"/>
+              <a:t> 2’s hand tracking. The user also has several voice commands available to explore the anatomy.</a:t>
+            </a:r>
+            <a:endParaRPr lang="en-US" sz="4000" dirty="0">
+              <a:solidFill>
+                <a:schemeClr val="tx1"/>
+              </a:solidFill>
+            </a:endParaRPr>
           </a:p>
         </p:txBody>
       </p:sp>

--- a/Final Project Poster v2.pptx
+++ b/Final Project Poster v2.pptx
@@ -159,6 +159,12 @@
 </p:presentation>
 </file>
 
+<file path=ppt/authors.xml><?xml version="1.0" encoding="utf-8"?>
+<p188:authorLst xmlns:a="http://schemas.openxmlformats.org/drawingml/2006/main" xmlns:r="http://schemas.openxmlformats.org/officeDocument/2006/relationships" xmlns:p188="http://schemas.microsoft.com/office/powerpoint/2018/8/main">
+  <p188:author id="{E30A5769-1D16-E981-2134-1F4C37C5241A}" name="Jasmin Palmer" initials="JP" userId="ccbfacc30ac3ddd2" providerId="Windows Live"/>
+</p188:authorLst>
+</file>
+
 <file path=ppt/commentAuthors.xml><?xml version="1.0" encoding="utf-8"?>
 <p:cmAuthorLst xmlns:a="http://schemas.openxmlformats.org/drawingml/2006/main" xmlns:r="http://schemas.openxmlformats.org/officeDocument/2006/relationships" xmlns:p="http://schemas.openxmlformats.org/presentationml/2006/main">
   <p:cmAuthor id="1" name="Allison Mariko Okamura" initials="AMO" lastIdx="10" clrIdx="0">
@@ -169,6 +175,42 @@
     </p:extLst>
   </p:cmAuthor>
 </p:cmAuthorLst>
+</file>
+
+<file path=ppt/comments/modernComment_100_0.xml><?xml version="1.0" encoding="utf-8"?>
+<p188:cmLst xmlns:a="http://schemas.openxmlformats.org/drawingml/2006/main" xmlns:r="http://schemas.openxmlformats.org/officeDocument/2006/relationships" xmlns:p188="http://schemas.microsoft.com/office/powerpoint/2018/8/main">
+  <p188:cm id="{2373D70D-A10B-42A4-8273-3F621571DD6B}" authorId="{E30A5769-1D16-E981-2134-1F4C37C5241A}" created="2021-12-01T22:14:02.873">
+    <pc:sldMkLst xmlns:pc="http://schemas.microsoft.com/office/powerpoint/2013/main/command">
+      <pc:docMk/>
+      <pc:sldMk cId="0" sldId="256"/>
+    </pc:sldMkLst>
+    <p188:replyLst>
+      <p188:reply id="{4C9111EB-4FCD-48C1-9A19-88FD879EB1A8}" authorId="{E30A5769-1D16-E981-2134-1F4C37C5241A}" created="2021-12-01T22:14:30.369">
+        <p188:txBody>
+          <a:bodyPr/>
+          <a:lstStyle/>
+          <a:p>
+            <a:r>
+              <a:rPr lang="en-US"/>
+              <a:t>How to evaluate simulation?
+</a:t>
+            </a:r>
+          </a:p>
+        </p188:txBody>
+      </p188:reply>
+    </p188:replyLst>
+    <p188:txBody>
+      <a:bodyPr/>
+      <a:lstStyle/>
+      <a:p>
+        <a:r>
+          <a:rPr lang="en-US"/>
+          <a:t>annotate go picture with distance</a:t>
+        </a:r>
+      </a:p>
+    </p188:txBody>
+  </p188:cm>
+</p188:cmLst>
 </file>
 
 <file path=ppt/handoutMasters/handoutMaster1.xml><?xml version="1.0" encoding="utf-8"?>
@@ -5334,7 +5376,7 @@
           <p:nvPr/>
         </p:nvPicPr>
         <p:blipFill rotWithShape="1">
-          <a:blip r:embed="rId3">
+          <a:blip r:embed="rId4">
             <a:extLst>
               <a:ext uri="{28A0092B-C50C-407E-A947-70E740481C1C}">
                 <a14:useLocalDpi xmlns:a14="http://schemas.microsoft.com/office/drawing/2010/main" val="0"/>
@@ -5710,7 +5752,7 @@
           <p:nvPr/>
         </p:nvPicPr>
         <p:blipFill>
-          <a:blip r:embed="rId4">
+          <a:blip r:embed="rId5">
             <a:extLst>
               <a:ext uri="{28A0092B-C50C-407E-A947-70E740481C1C}">
                 <a14:useLocalDpi xmlns:a14="http://schemas.microsoft.com/office/drawing/2010/main" val="0"/>
@@ -5770,7 +5812,7 @@
           <p:nvPr/>
         </p:nvPicPr>
         <p:blipFill>
-          <a:blip r:embed="rId5">
+          <a:blip r:embed="rId6">
             <a:extLst>
               <a:ext uri="{28A0092B-C50C-407E-A947-70E740481C1C}">
                 <a14:useLocalDpi xmlns:a14="http://schemas.microsoft.com/office/drawing/2010/main" val="0"/>
@@ -5806,7 +5848,7 @@
           <p:nvPr/>
         </p:nvPicPr>
         <p:blipFill>
-          <a:blip r:embed="rId6">
+          <a:blip r:embed="rId7">
             <a:extLst>
               <a:ext uri="{28A0092B-C50C-407E-A947-70E740481C1C}">
                 <a14:useLocalDpi xmlns:a14="http://schemas.microsoft.com/office/drawing/2010/main" val="0"/>
@@ -6020,7 +6062,7 @@
           <p:nvPr/>
         </p:nvPicPr>
         <p:blipFill>
-          <a:blip r:embed="rId7"/>
+          <a:blip r:embed="rId8"/>
           <a:stretch>
             <a:fillRect/>
           </a:stretch>
@@ -6072,7 +6114,7 @@
             <p:nvPr/>
           </p:nvPicPr>
           <p:blipFill rotWithShape="1">
-            <a:blip r:embed="rId8">
+            <a:blip r:embed="rId9">
               <a:extLst>
                 <a:ext uri="{28A0092B-C50C-407E-A947-70E740481C1C}">
                   <a14:useLocalDpi xmlns:a14="http://schemas.microsoft.com/office/drawing/2010/main" val="0"/>
@@ -6310,7 +6352,7 @@
           <p:nvPr/>
         </p:nvPicPr>
         <p:blipFill rotWithShape="1">
-          <a:blip r:embed="rId9">
+          <a:blip r:embed="rId10">
             <a:extLst>
               <a:ext uri="{28A0092B-C50C-407E-A947-70E740481C1C}">
                 <a14:useLocalDpi xmlns:a14="http://schemas.microsoft.com/office/drawing/2010/main" val="0"/>
@@ -6345,7 +6387,7 @@
           <p:nvPr/>
         </p:nvPicPr>
         <p:blipFill>
-          <a:blip r:embed="rId10"/>
+          <a:blip r:embed="rId11"/>
           <a:stretch>
             <a:fillRect/>
           </a:stretch>
@@ -6417,7 +6459,7 @@
           <p:nvPr/>
         </p:nvPicPr>
         <p:blipFill>
-          <a:blip r:embed="rId11"/>
+          <a:blip r:embed="rId12"/>
           <a:stretch>
             <a:fillRect/>
           </a:stretch>
@@ -6447,7 +6489,7 @@
           <p:nvPr/>
         </p:nvPicPr>
         <p:blipFill>
-          <a:blip r:embed="rId12"/>
+          <a:blip r:embed="rId13"/>
           <a:stretch>
             <a:fillRect/>
           </a:stretch>
@@ -6477,7 +6519,7 @@
           <p:nvPr/>
         </p:nvPicPr>
         <p:blipFill rotWithShape="1">
-          <a:blip r:embed="rId13"/>
+          <a:blip r:embed="rId14"/>
           <a:srcRect l="-51" t="52146" r="51" b="17679"/>
           <a:stretch/>
         </p:blipFill>
@@ -6587,6 +6629,11 @@
   <p:clrMapOvr>
     <a:masterClrMapping/>
   </p:clrMapOvr>
+  <p:extLst>
+    <p:ext uri="{6950BFC3-D8DA-4A85-94F7-54DA5524770B}">
+      <p188:commentRel xmlns:p188="http://schemas.microsoft.com/office/powerpoint/2018/8/main" r:id="rId3"/>
+    </p:ext>
+  </p:extLst>
 </p:sld>
 </file>
 
